--- a/01需求分析/docs/specs/02APU线控转向方案关键零件技术要求（EPS）-VAD01.pptx
+++ b/01需求分析/docs/specs/02APU线控转向方案关键零件技术要求（EPS）-VAD01.pptx
@@ -198,7 +198,7 @@
             <a:fld id="{3FC2EBE1-2D70-4089-BFB6-0162DA1C2B1E}" type="datetimeFigureOut">
               <a:rPr lang="zh-CN" altLang="en-US" smtClean="0"/>
               <a:pPr/>
-              <a:t>2018/2/22</a:t>
+              <a:t>2018/9/6</a:t>
             </a:fld>
             <a:endParaRPr lang="zh-CN" altLang="en-US"/>
           </a:p>
@@ -365,7 +365,7 @@
             <a:fld id="{C85464E2-75BB-4005-B759-130A14F71B02}" type="datetimeFigureOut">
               <a:rPr lang="zh-CN" altLang="en-US" smtClean="0"/>
               <a:pPr/>
-              <a:t>2018/2/22</a:t>
+              <a:t>2018/9/6</a:t>
             </a:fld>
             <a:endParaRPr lang="zh-CN" altLang="en-US"/>
           </a:p>
@@ -837,7 +837,7 @@
             <a:fld id="{3C8CAD73-1480-4762-BBE7-29E381459ECC}" type="datetimeFigureOut">
               <a:rPr lang="zh-CN" altLang="en-US" smtClean="0"/>
               <a:pPr/>
-              <a:t>2018/2/22</a:t>
+              <a:t>2018/9/6</a:t>
             </a:fld>
             <a:endParaRPr lang="zh-CN" altLang="en-US"/>
           </a:p>
@@ -1030,7 +1030,7 @@
             <a:fld id="{3C8CAD73-1480-4762-BBE7-29E381459ECC}" type="datetimeFigureOut">
               <a:rPr lang="zh-CN" altLang="en-US" smtClean="0"/>
               <a:pPr/>
-              <a:t>2018/2/22</a:t>
+              <a:t>2018/9/6</a:t>
             </a:fld>
             <a:endParaRPr lang="zh-CN" altLang="en-US"/>
           </a:p>
@@ -1261,7 +1261,7 @@
             <a:fld id="{3C8CAD73-1480-4762-BBE7-29E381459ECC}" type="datetimeFigureOut">
               <a:rPr lang="zh-CN" altLang="en-US" smtClean="0"/>
               <a:pPr/>
-              <a:t>2018/2/22</a:t>
+              <a:t>2018/9/6</a:t>
             </a:fld>
             <a:endParaRPr lang="zh-CN" altLang="en-US"/>
           </a:p>
@@ -3274,14 +3274,14 @@
           <p:nvPr>
             <p:extLst>
               <p:ext uri="{D42A27DB-BD31-4B8C-83A1-F6EECF244321}">
-                <p14:modId xmlns:p14="http://schemas.microsoft.com/office/powerpoint/2010/main" val="2552775598"/>
+                <p14:modId xmlns:p14="http://schemas.microsoft.com/office/powerpoint/2010/main" val="1577995978"/>
               </p:ext>
             </p:extLst>
           </p:nvPr>
         </p:nvGraphicFramePr>
         <p:xfrm>
-          <a:off x="347642" y="1556792"/>
-          <a:ext cx="8640960" cy="4114800"/>
+          <a:off x="347642" y="1261191"/>
+          <a:ext cx="8256806" cy="5408169"/>
         </p:xfrm>
         <a:graphic>
           <a:graphicData uri="http://schemas.openxmlformats.org/drawingml/2006/table">
@@ -3290,12 +3290,12 @@
                 <a:tableStyleId>{5C22544A-7EE6-4342-B048-85BDC9FD1C3A}</a:tableStyleId>
               </a:tblPr>
               <a:tblGrid>
-                <a:gridCol w="432048"/>
-                <a:gridCol w="2592288"/>
-                <a:gridCol w="2304256"/>
-                <a:gridCol w="3312368"/>
+                <a:gridCol w="407934"/>
+                <a:gridCol w="2520280"/>
+                <a:gridCol w="2160240"/>
+                <a:gridCol w="3168352"/>
               </a:tblGrid>
-              <a:tr h="0">
+              <a:tr h="245292">
                 <a:tc>
                   <a:txBody>
                     <a:bodyPr/>
@@ -3309,7 +3309,7 @@
                       <a:endParaRPr lang="zh-CN" altLang="en-US" sz="1400" dirty="0"/>
                     </a:p>
                   </a:txBody>
-                  <a:tcPr/>
+                  <a:tcPr anchor="ctr"/>
                 </a:tc>
                 <a:tc>
                   <a:txBody>
@@ -3340,7 +3340,7 @@
                       <a:endParaRPr lang="zh-CN" altLang="en-US" sz="1400" dirty="0" smtClean="0"/>
                     </a:p>
                   </a:txBody>
-                  <a:tcPr/>
+                  <a:tcPr anchor="ctr"/>
                 </a:tc>
                 <a:tc>
                   <a:txBody>
@@ -3355,7 +3355,7 @@
                       <a:endParaRPr lang="zh-CN" altLang="en-US" sz="1400" dirty="0"/>
                     </a:p>
                   </a:txBody>
-                  <a:tcPr/>
+                  <a:tcPr anchor="ctr"/>
                 </a:tc>
                 <a:tc>
                   <a:txBody>
@@ -3370,10 +3370,10 @@
                       <a:endParaRPr lang="zh-CN" altLang="en-US" sz="1400" dirty="0"/>
                     </a:p>
                   </a:txBody>
-                  <a:tcPr/>
+                  <a:tcPr anchor="ctr"/>
                 </a:tc>
               </a:tr>
-              <a:tr h="124078">
+              <a:tr h="318879">
                 <a:tc>
                   <a:txBody>
                     <a:bodyPr/>
@@ -3417,7 +3417,7 @@
                       </a:endParaRPr>
                     </a:p>
                   </a:txBody>
-                  <a:tcPr/>
+                  <a:tcPr anchor="ctr"/>
                 </a:tc>
                 <a:tc>
                   <a:txBody>
@@ -3432,7 +3432,7 @@
                       <a:endParaRPr lang="zh-CN" altLang="en-US" sz="1000" dirty="0"/>
                     </a:p>
                   </a:txBody>
-                  <a:tcPr/>
+                  <a:tcPr anchor="ctr"/>
                 </a:tc>
                 <a:tc>
                   <a:txBody>
@@ -3463,7 +3463,7 @@
                       <a:endParaRPr lang="zh-CN" altLang="en-US" sz="1000" dirty="0" smtClean="0"/>
                     </a:p>
                   </a:txBody>
-                  <a:tcPr/>
+                  <a:tcPr anchor="ctr"/>
                 </a:tc>
                 <a:tc>
                   <a:txBody>
@@ -3504,7 +3504,7 @@
                   <a:tcPr anchor="ctr"/>
                 </a:tc>
               </a:tr>
-              <a:tr h="179318">
+              <a:tr h="202366">
                 <a:tc>
                   <a:txBody>
                     <a:bodyPr/>
@@ -3534,7 +3534,7 @@
                       <a:endParaRPr lang="zh-CN" altLang="en-US" sz="1050" dirty="0" smtClean="0"/>
                     </a:p>
                   </a:txBody>
-                  <a:tcPr/>
+                  <a:tcPr anchor="ctr"/>
                 </a:tc>
                 <a:tc>
                   <a:txBody>
@@ -3549,7 +3549,7 @@
                       <a:endParaRPr lang="zh-CN" altLang="en-US" sz="1000" dirty="0"/>
                     </a:p>
                   </a:txBody>
-                  <a:tcPr/>
+                  <a:tcPr anchor="ctr"/>
                 </a:tc>
                 <a:tc>
                   <a:txBody>
@@ -3580,7 +3580,7 @@
                       <a:endParaRPr lang="zh-CN" altLang="en-US" sz="1000" dirty="0" smtClean="0"/>
                     </a:p>
                   </a:txBody>
-                  <a:tcPr/>
+                  <a:tcPr anchor="ctr"/>
                 </a:tc>
                 <a:tc>
                   <a:txBody>
@@ -3613,7 +3613,7 @@
                   <a:tcPr anchor="ctr"/>
                 </a:tc>
               </a:tr>
-              <a:tr h="162550">
+              <a:tr h="441525">
                 <a:tc>
                   <a:txBody>
                     <a:bodyPr/>
@@ -3643,7 +3643,7 @@
                       <a:endParaRPr lang="zh-CN" altLang="en-US" sz="1050" dirty="0" smtClean="0"/>
                     </a:p>
                   </a:txBody>
-                  <a:tcPr/>
+                  <a:tcPr anchor="ctr"/>
                 </a:tc>
                 <a:tc>
                   <a:txBody>
@@ -3653,12 +3653,24 @@
                       <a:pPr algn="l"/>
                       <a:r>
                         <a:rPr lang="en-US" altLang="zh-CN" sz="1000" dirty="0" smtClean="0"/>
-                        <a:t>Steering wheel angle control step</a:t>
+                        <a:t>Steering wheel angle control </a:t>
+                      </a:r>
+                      <a:r>
+                        <a:rPr lang="en-US" altLang="zh-CN" sz="1000" dirty="0" smtClean="0"/>
+                        <a:t>step:</a:t>
+                      </a:r>
+                      <a:r>
+                        <a:rPr lang="el-GR" altLang="zh-CN" sz="1000" dirty="0" smtClean="0"/>
+                        <a:t>θ</a:t>
+                      </a:r>
+                      <a:r>
+                        <a:rPr lang="en-US" altLang="zh-CN" sz="1000" dirty="0" err="1" smtClean="0"/>
+                        <a:t>target_s</a:t>
                       </a:r>
                       <a:endParaRPr lang="zh-CN" altLang="en-US" sz="1000" dirty="0"/>
                     </a:p>
                   </a:txBody>
-                  <a:tcPr/>
+                  <a:tcPr anchor="ctr"/>
                 </a:tc>
                 <a:tc>
                   <a:txBody>
@@ -3704,7 +3716,7 @@
                       </a:r>
                     </a:p>
                   </a:txBody>
-                  <a:tcPr/>
+                  <a:tcPr anchor="ctr"/>
                 </a:tc>
                 <a:tc>
                   <a:txBody>
@@ -3737,7 +3749,7 @@
                   <a:tcPr anchor="ctr"/>
                 </a:tc>
               </a:tr>
-              <a:tr h="162550">
+              <a:tr h="441525">
                 <a:tc>
                   <a:txBody>
                     <a:bodyPr/>
@@ -3781,7 +3793,7 @@
                       </a:endParaRPr>
                     </a:p>
                   </a:txBody>
-                  <a:tcPr/>
+                  <a:tcPr anchor="ctr"/>
                 </a:tc>
                 <a:tc>
                   <a:txBody>
@@ -3795,12 +3807,24 @@
                       </a:r>
                       <a:r>
                         <a:rPr lang="en-US" altLang="zh-CN" sz="1000" baseline="0" dirty="0" smtClean="0"/>
-                        <a:t> time/EPS individual processing time</a:t>
+                        <a:t> time/EPS individual processing </a:t>
+                      </a:r>
+                      <a:r>
+                        <a:rPr lang="en-US" altLang="zh-CN" sz="1000" baseline="0" dirty="0" smtClean="0"/>
+                        <a:t>time:</a:t>
+                      </a:r>
+                      <a:r>
+                        <a:rPr lang="el-GR" altLang="zh-CN" sz="1000" dirty="0" smtClean="0"/>
+                        <a:t>Δ</a:t>
+                      </a:r>
+                      <a:r>
+                        <a:rPr lang="en-US" altLang="zh-CN" sz="1000" dirty="0" smtClean="0"/>
+                        <a:t>T1</a:t>
                       </a:r>
                       <a:endParaRPr lang="zh-CN" altLang="en-US" sz="1000" dirty="0"/>
                     </a:p>
                   </a:txBody>
-                  <a:tcPr/>
+                  <a:tcPr anchor="ctr"/>
                 </a:tc>
                 <a:tc>
                   <a:txBody>
@@ -3835,7 +3859,7 @@
                       <a:endParaRPr lang="zh-CN" altLang="en-US" sz="1000" dirty="0" smtClean="0"/>
                     </a:p>
                   </a:txBody>
-                  <a:tcPr/>
+                  <a:tcPr anchor="ctr"/>
                 </a:tc>
                 <a:tc>
                   <a:txBody>
@@ -3877,7 +3901,7 @@
                   <a:tcPr anchor="ctr"/>
                 </a:tc>
               </a:tr>
-              <a:tr h="162550">
+              <a:tr h="202366">
                 <a:tc>
                   <a:txBody>
                     <a:bodyPr/>
@@ -3921,7 +3945,7 @@
                       </a:endParaRPr>
                     </a:p>
                   </a:txBody>
-                  <a:tcPr/>
+                  <a:tcPr anchor="ctr"/>
                 </a:tc>
                 <a:tc>
                   <a:txBody>
@@ -3936,7 +3960,7 @@
                       <a:endParaRPr lang="zh-CN" altLang="en-US" sz="1000" dirty="0"/>
                     </a:p>
                   </a:txBody>
-                  <a:tcPr/>
+                  <a:tcPr anchor="ctr"/>
                 </a:tc>
                 <a:tc>
                   <a:txBody>
@@ -3971,7 +3995,7 @@
                       <a:endParaRPr lang="zh-CN" altLang="en-US" sz="1000" dirty="0" smtClean="0"/>
                     </a:p>
                   </a:txBody>
-                  <a:tcPr/>
+                  <a:tcPr anchor="ctr"/>
                 </a:tc>
                 <a:tc>
                   <a:txBody>
@@ -4004,7 +4028,7 @@
                   <a:tcPr anchor="ctr"/>
                 </a:tc>
               </a:tr>
-              <a:tr h="162550">
+              <a:tr h="202366">
                 <a:tc>
                   <a:txBody>
                     <a:bodyPr/>
@@ -4048,7 +4072,7 @@
                       </a:endParaRPr>
                     </a:p>
                   </a:txBody>
-                  <a:tcPr/>
+                  <a:tcPr anchor="ctr"/>
                 </a:tc>
                 <a:tc>
                   <a:txBody>
@@ -4063,7 +4087,7 @@
                       <a:endParaRPr lang="zh-CN" altLang="en-US" sz="1000" dirty="0"/>
                     </a:p>
                   </a:txBody>
-                  <a:tcPr/>
+                  <a:tcPr anchor="ctr"/>
                 </a:tc>
                 <a:tc>
                   <a:txBody>
@@ -4110,7 +4134,7 @@
                       <a:endParaRPr lang="zh-CN" altLang="en-US" sz="1000" dirty="0" smtClean="0"/>
                     </a:p>
                   </a:txBody>
-                  <a:tcPr/>
+                  <a:tcPr anchor="ctr"/>
                 </a:tc>
                 <a:tc>
                   <a:txBody>
@@ -4143,7 +4167,7 @@
                   <a:tcPr anchor="ctr"/>
                 </a:tc>
               </a:tr>
-              <a:tr h="162550">
+              <a:tr h="202366">
                 <a:tc>
                   <a:txBody>
                     <a:bodyPr/>
@@ -4176,7 +4200,7 @@
                       </a:endParaRPr>
                     </a:p>
                   </a:txBody>
-                  <a:tcPr/>
+                  <a:tcPr anchor="ctr"/>
                 </a:tc>
                 <a:tc>
                   <a:txBody>
@@ -4205,7 +4229,7 @@
                       </a:endParaRPr>
                     </a:p>
                   </a:txBody>
-                  <a:tcPr/>
+                  <a:tcPr anchor="ctr"/>
                 </a:tc>
                 <a:tc>
                   <a:txBody>
@@ -4248,7 +4272,7 @@
                       <a:endParaRPr lang="zh-CN" altLang="en-US" sz="1000" dirty="0" smtClean="0"/>
                     </a:p>
                   </a:txBody>
-                  <a:tcPr/>
+                  <a:tcPr anchor="ctr"/>
                 </a:tc>
                 <a:tc>
                   <a:txBody>
@@ -4288,7 +4312,7 @@
                   <a:tcPr anchor="ctr"/>
                 </a:tc>
               </a:tr>
-              <a:tr h="162550">
+              <a:tr h="202366">
                 <a:tc>
                   <a:txBody>
                     <a:bodyPr/>
@@ -4332,7 +4356,7 @@
                       </a:endParaRPr>
                     </a:p>
                   </a:txBody>
-                  <a:tcPr/>
+                  <a:tcPr anchor="ctr"/>
                 </a:tc>
                 <a:tc>
                   <a:txBody>
@@ -4346,12 +4370,24 @@
                       </a:r>
                       <a:r>
                         <a:rPr lang="en-US" altLang="zh-CN" sz="1000" baseline="0" dirty="0" smtClean="0"/>
-                        <a:t> time</a:t>
+                        <a:t> </a:t>
+                      </a:r>
+                      <a:r>
+                        <a:rPr lang="en-US" altLang="zh-CN" sz="1000" baseline="0" dirty="0" smtClean="0"/>
+                        <a:t>time:</a:t>
+                      </a:r>
+                      <a:r>
+                        <a:rPr lang="el-GR" altLang="zh-CN" sz="1000" dirty="0" smtClean="0"/>
+                        <a:t>Δ</a:t>
+                      </a:r>
+                      <a:r>
+                        <a:rPr lang="en-US" altLang="zh-CN" sz="1000" dirty="0" smtClean="0"/>
+                        <a:t>T3</a:t>
                       </a:r>
                       <a:endParaRPr lang="zh-CN" altLang="en-US" sz="1000" dirty="0"/>
                     </a:p>
                   </a:txBody>
-                  <a:tcPr/>
+                  <a:tcPr anchor="ctr"/>
                 </a:tc>
                 <a:tc>
                   <a:txBody>
@@ -4381,12 +4417,12 @@
                       </a:r>
                       <a:r>
                         <a:rPr lang="en-US" altLang="zh-CN" sz="1000" dirty="0" smtClean="0"/>
-                        <a:t>1s</a:t>
+                        <a:t>200ms</a:t>
                       </a:r>
                       <a:endParaRPr lang="zh-CN" altLang="en-US" sz="1000" dirty="0" smtClean="0"/>
                     </a:p>
                   </a:txBody>
-                  <a:tcPr/>
+                  <a:tcPr anchor="ctr"/>
                 </a:tc>
                 <a:tc>
                   <a:txBody>
@@ -4420,7 +4456,7 @@
                   <a:tcPr anchor="ctr"/>
                 </a:tc>
               </a:tr>
-              <a:tr h="162550">
+              <a:tr h="564171">
                 <a:tc>
                   <a:txBody>
                     <a:bodyPr/>
@@ -4453,7 +4489,7 @@
                       </a:endParaRPr>
                     </a:p>
                   </a:txBody>
-                  <a:tcPr/>
+                  <a:tcPr anchor="ctr"/>
                 </a:tc>
                 <a:tc>
                   <a:txBody>
@@ -4469,7 +4505,22 @@
                           <a:ea typeface="+mn-ea"/>
                           <a:cs typeface="+mn-cs"/>
                         </a:rPr>
-                        <a:t>Fluctuation angle</a:t>
+                        <a:t>Fluctuation </a:t>
+                      </a:r>
+                      <a:r>
+                        <a:rPr lang="en-US" altLang="zh-CN" sz="1000" kern="1200" dirty="0" smtClean="0">
+                          <a:solidFill>
+                            <a:schemeClr val="dk1"/>
+                          </a:solidFill>
+                          <a:latin typeface="+mn-lt"/>
+                          <a:ea typeface="+mn-ea"/>
+                          <a:cs typeface="+mn-cs"/>
+                        </a:rPr>
+                        <a:t>angle :</a:t>
+                      </a:r>
+                      <a:r>
+                        <a:rPr lang="el-GR" altLang="zh-CN" sz="1000" dirty="0" smtClean="0"/>
+                        <a:t>Δθ1</a:t>
                       </a:r>
                       <a:endParaRPr lang="zh-CN" altLang="en-US" sz="1000" kern="1200" dirty="0">
                         <a:solidFill>
@@ -4481,7 +4532,286 @@
                       </a:endParaRPr>
                     </a:p>
                   </a:txBody>
-                  <a:tcPr/>
+                  <a:tcPr anchor="ctr"/>
+                </a:tc>
+                <a:tc>
+                  <a:txBody>
+                    <a:bodyPr/>
+                    <a:lstStyle/>
+                    <a:p>
+                      <a:pPr marL="0" marR="0" indent="0" algn="l" defTabSz="914400" rtl="0" eaLnBrk="1" fontAlgn="auto" latinLnBrk="0" hangingPunct="1">
+                        <a:lnSpc>
+                          <a:spcPct val="100000"/>
+                        </a:lnSpc>
+                        <a:spcBef>
+                          <a:spcPts val="0"/>
+                        </a:spcBef>
+                        <a:spcAft>
+                          <a:spcPts val="0"/>
+                        </a:spcAft>
+                        <a:buClrTx/>
+                        <a:buSzTx/>
+                        <a:buFontTx/>
+                        <a:buNone/>
+                        <a:tabLst/>
+                        <a:defRPr/>
+                      </a:pPr>
+                      <a:r>
+                        <a:rPr lang="zh-CN" altLang="en-US" sz="1000" dirty="0" smtClean="0"/>
+                        <a:t>最大超调角</a:t>
+                      </a:r>
+                      <a:r>
+                        <a:rPr lang="el-GR" altLang="zh-CN" sz="1000" dirty="0" smtClean="0"/>
+                        <a:t>Δθ1</a:t>
+                      </a:r>
+                      <a:r>
+                        <a:rPr lang="zh-CN" altLang="el-GR" sz="1000" dirty="0" smtClean="0"/>
+                        <a:t>：</a:t>
+                      </a:r>
+                    </a:p>
+                    <a:p>
+                      <a:pPr marL="0" marR="0" indent="0" algn="l" defTabSz="914400" rtl="0" eaLnBrk="1" fontAlgn="auto" latinLnBrk="0" hangingPunct="1">
+                        <a:lnSpc>
+                          <a:spcPct val="100000"/>
+                        </a:lnSpc>
+                        <a:spcBef>
+                          <a:spcPts val="0"/>
+                        </a:spcBef>
+                        <a:spcAft>
+                          <a:spcPts val="0"/>
+                        </a:spcAft>
+                        <a:buClrTx/>
+                        <a:buSzTx/>
+                        <a:buFontTx/>
+                        <a:buNone/>
+                        <a:tabLst/>
+                        <a:defRPr/>
+                      </a:pPr>
+                      <a:r>
+                        <a:rPr lang="zh-CN" altLang="el-GR" sz="1000" dirty="0" smtClean="0"/>
+                        <a:t> </a:t>
+                      </a:r>
+                      <a:r>
+                        <a:rPr lang="el-GR" altLang="zh-CN" sz="1000" dirty="0" smtClean="0"/>
+                        <a:t>[0,6]:0.6</a:t>
+                      </a:r>
+                      <a:r>
+                        <a:rPr lang="zh-CN" altLang="el-GR" sz="1000" dirty="0" smtClean="0"/>
+                        <a:t>；</a:t>
+                      </a:r>
+                    </a:p>
+                    <a:p>
+                      <a:pPr marL="0" marR="0" indent="0" algn="l" defTabSz="914400" rtl="0" eaLnBrk="1" fontAlgn="auto" latinLnBrk="0" hangingPunct="1">
+                        <a:lnSpc>
+                          <a:spcPct val="100000"/>
+                        </a:lnSpc>
+                        <a:spcBef>
+                          <a:spcPts val="0"/>
+                        </a:spcBef>
+                        <a:spcAft>
+                          <a:spcPts val="0"/>
+                        </a:spcAft>
+                        <a:buClrTx/>
+                        <a:buSzTx/>
+                        <a:buFontTx/>
+                        <a:buNone/>
+                        <a:tabLst/>
+                        <a:defRPr/>
+                      </a:pPr>
+                      <a:r>
+                        <a:rPr lang="zh-CN" altLang="el-GR" sz="1000" dirty="0" smtClean="0"/>
+                        <a:t> </a:t>
+                      </a:r>
+                      <a:r>
+                        <a:rPr lang="en-US" altLang="zh-CN" sz="1000" dirty="0" smtClean="0"/>
+                        <a:t>[</a:t>
+                      </a:r>
+                      <a:r>
+                        <a:rPr lang="el-GR" altLang="zh-CN" sz="1000" dirty="0" smtClean="0"/>
+                        <a:t>6,66]:</a:t>
+                      </a:r>
+                      <a:r>
+                        <a:rPr lang="en-US" altLang="zh-CN" sz="1000" dirty="0" smtClean="0"/>
+                        <a:t>min[2,</a:t>
+                      </a:r>
+                      <a:r>
+                        <a:rPr lang="el-GR" altLang="zh-CN" sz="1000" dirty="0" smtClean="0"/>
+                        <a:t>θ</a:t>
+                      </a:r>
+                      <a:r>
+                        <a:rPr lang="en-US" altLang="zh-CN" sz="1000" dirty="0" smtClean="0"/>
+                        <a:t>target_s×10%]</a:t>
+                      </a:r>
+                      <a:r>
+                        <a:rPr lang="zh-CN" altLang="en-US" sz="1000" dirty="0" smtClean="0"/>
+                        <a:t>；</a:t>
+                      </a:r>
+                    </a:p>
+                    <a:p>
+                      <a:pPr marL="0" marR="0" indent="0" algn="l" defTabSz="914400" rtl="0" eaLnBrk="1" fontAlgn="auto" latinLnBrk="0" hangingPunct="1">
+                        <a:lnSpc>
+                          <a:spcPct val="100000"/>
+                        </a:lnSpc>
+                        <a:spcBef>
+                          <a:spcPts val="0"/>
+                        </a:spcBef>
+                        <a:spcAft>
+                          <a:spcPts val="0"/>
+                        </a:spcAft>
+                        <a:buClrTx/>
+                        <a:buSzTx/>
+                        <a:buFontTx/>
+                        <a:buNone/>
+                        <a:tabLst/>
+                        <a:defRPr/>
+                      </a:pPr>
+                      <a:r>
+                        <a:rPr lang="zh-CN" altLang="en-US" sz="1000" dirty="0" smtClean="0"/>
+                        <a:t> </a:t>
+                      </a:r>
+                      <a:r>
+                        <a:rPr lang="en-US" altLang="zh-CN" sz="1000" dirty="0" smtClean="0"/>
+                        <a:t>[66,</a:t>
+                      </a:r>
+                      <a:r>
+                        <a:rPr lang="el-GR" altLang="zh-CN" sz="1000" dirty="0" smtClean="0"/>
+                        <a:t>θ</a:t>
+                      </a:r>
+                      <a:r>
+                        <a:rPr lang="en-US" altLang="zh-CN" sz="1000" dirty="0" smtClean="0"/>
+                        <a:t>MAX]:min[3,</a:t>
+                      </a:r>
+                      <a:r>
+                        <a:rPr lang="el-GR" altLang="zh-CN" sz="1000" dirty="0" smtClean="0"/>
+                        <a:t>θ</a:t>
+                      </a:r>
+                      <a:r>
+                        <a:rPr lang="en-US" altLang="zh-CN" sz="1000" dirty="0" smtClean="0"/>
+                        <a:t>target_s×3%]</a:t>
+                      </a:r>
+                      <a:r>
+                        <a:rPr lang="zh-CN" altLang="en-US" sz="1000" dirty="0" smtClean="0"/>
+                        <a:t>；</a:t>
+                      </a:r>
+                      <a:endParaRPr lang="zh-CN" altLang="en-US" sz="1000" dirty="0" smtClean="0"/>
+                    </a:p>
+                  </a:txBody>
+                  <a:tcPr anchor="ctr"/>
+                </a:tc>
+                <a:tc>
+                  <a:txBody>
+                    <a:bodyPr/>
+                    <a:lstStyle/>
+                    <a:p>
+                      <a:pPr marL="0" marR="0" indent="0" algn="l" defTabSz="914400" rtl="0" eaLnBrk="1" fontAlgn="auto" latinLnBrk="0" hangingPunct="1">
+                        <a:lnSpc>
+                          <a:spcPct val="100000"/>
+                        </a:lnSpc>
+                        <a:spcBef>
+                          <a:spcPts val="0"/>
+                        </a:spcBef>
+                        <a:spcAft>
+                          <a:spcPts val="0"/>
+                        </a:spcAft>
+                        <a:buClrTx/>
+                        <a:buSzTx/>
+                        <a:buFontTx/>
+                        <a:buNone/>
+                        <a:tabLst/>
+                        <a:defRPr/>
+                      </a:pPr>
+                      <a:r>
+                        <a:rPr lang="zh-CN" altLang="en-US" sz="1000" kern="1200" dirty="0" smtClean="0">
+                          <a:solidFill>
+                            <a:schemeClr val="dk1"/>
+                          </a:solidFill>
+                          <a:latin typeface="+mn-lt"/>
+                          <a:ea typeface="+mn-ea"/>
+                          <a:cs typeface="+mn-cs"/>
+                        </a:rPr>
+                        <a:t>波动角度，即调整期间，当前角度与稳定目标角度差值的绝对值</a:t>
+                      </a:r>
+                    </a:p>
+                  </a:txBody>
+                  <a:tcPr anchor="ctr"/>
+                </a:tc>
+              </a:tr>
+              <a:tr h="206747">
+                <a:tc>
+                  <a:txBody>
+                    <a:bodyPr/>
+                    <a:lstStyle/>
+                    <a:p>
+                      <a:pPr marL="0" marR="0" indent="0" algn="ctr" defTabSz="914400" rtl="0" eaLnBrk="1" fontAlgn="auto" latinLnBrk="0" hangingPunct="1">
+                        <a:lnSpc>
+                          <a:spcPct val="100000"/>
+                        </a:lnSpc>
+                        <a:spcBef>
+                          <a:spcPts val="0"/>
+                        </a:spcBef>
+                        <a:spcAft>
+                          <a:spcPts val="0"/>
+                        </a:spcAft>
+                        <a:buClrTx/>
+                        <a:buSzTx/>
+                        <a:buFontTx/>
+                        <a:buNone/>
+                        <a:tabLst/>
+                        <a:defRPr/>
+                      </a:pPr>
+                      <a:r>
+                        <a:rPr lang="en-US" altLang="zh-CN" sz="1050" kern="1200" dirty="0" smtClean="0">
+                          <a:solidFill>
+                            <a:schemeClr val="dk1"/>
+                          </a:solidFill>
+                          <a:latin typeface="+mn-lt"/>
+                          <a:ea typeface="+mn-ea"/>
+                          <a:cs typeface="+mn-cs"/>
+                        </a:rPr>
+                        <a:t>8</a:t>
+                      </a:r>
+                      <a:endParaRPr lang="zh-CN" altLang="en-US" sz="1050" kern="1200" dirty="0" smtClean="0">
+                        <a:solidFill>
+                          <a:schemeClr val="dk1"/>
+                        </a:solidFill>
+                        <a:latin typeface="+mn-lt"/>
+                        <a:ea typeface="+mn-ea"/>
+                        <a:cs typeface="+mn-cs"/>
+                      </a:endParaRPr>
+                    </a:p>
+                  </a:txBody>
+                  <a:tcPr anchor="ctr"/>
+                </a:tc>
+                <a:tc>
+                  <a:txBody>
+                    <a:bodyPr/>
+                    <a:lstStyle/>
+                    <a:p>
+                      <a:pPr algn="l"/>
+                      <a:r>
+                        <a:rPr lang="en-US" altLang="zh-CN" sz="1000" dirty="0" smtClean="0"/>
+                        <a:t>Steering wheel angle controlled</a:t>
+                      </a:r>
+                      <a:r>
+                        <a:rPr lang="en-US" altLang="zh-CN" sz="1000" baseline="0" dirty="0" smtClean="0"/>
+                        <a:t> </a:t>
+                      </a:r>
+                      <a:r>
+                        <a:rPr lang="en-US" altLang="zh-CN" sz="1000" baseline="0" dirty="0" smtClean="0"/>
+                        <a:t>deviation:</a:t>
+                      </a:r>
+                      <a:r>
+                        <a:rPr lang="el-GR" altLang="zh-CN" sz="1000" dirty="0" smtClean="0"/>
+                        <a:t>Δθ</a:t>
+                      </a:r>
+                      <a:r>
+                        <a:rPr lang="en-US" altLang="zh-CN" sz="1000" dirty="0" smtClean="0"/>
+                        <a:t>2</a:t>
+                      </a:r>
+                      <a:endParaRPr lang="zh-CN" altLang="en-US" sz="1000" dirty="0"/>
+                    </a:p>
+                  </a:txBody>
+                  <a:tcPr anchor="ctr"/>
                 </a:tc>
                 <a:tc>
                   <a:txBody>
@@ -4511,12 +4841,12 @@
                       </a:r>
                       <a:r>
                         <a:rPr lang="en-US" altLang="zh-CN" sz="1000" dirty="0" smtClean="0"/>
-                        <a:t>20deg</a:t>
+                        <a:t>0.6deg</a:t>
                       </a:r>
                       <a:endParaRPr lang="zh-CN" altLang="en-US" sz="1000" dirty="0" smtClean="0"/>
                     </a:p>
                   </a:txBody>
-                  <a:tcPr/>
+                  <a:tcPr anchor="ctr"/>
                 </a:tc>
                 <a:tc>
                   <a:txBody>
@@ -4541,22 +4871,16 @@
                         <a:defRPr/>
                       </a:pPr>
                       <a:r>
-                        <a:rPr lang="zh-CN" altLang="en-US" sz="1000" kern="1200" dirty="0" smtClean="0">
-                          <a:solidFill>
-                            <a:schemeClr val="dk1"/>
-                          </a:solidFill>
-                          <a:latin typeface="+mn-lt"/>
-                          <a:ea typeface="+mn-ea"/>
-                          <a:cs typeface="+mn-cs"/>
-                        </a:rPr>
-                        <a:t>波动角度，即调整期间，当前角度与稳定目标角度差值的绝对值</a:t>
-                      </a:r>
+                        <a:rPr lang="zh-CN" altLang="en-US" sz="1000" baseline="0" dirty="0" smtClean="0"/>
+                        <a:t>转向盘角度偏差，即稳定后，转向盘当前角度与最终目标角度差值的绝对值</a:t>
+                      </a:r>
+                      <a:endParaRPr lang="zh-CN" altLang="en-US" sz="1000" dirty="0" smtClean="0"/>
                     </a:p>
                   </a:txBody>
                   <a:tcPr anchor="ctr"/>
                 </a:tc>
               </a:tr>
-              <a:tr h="162550">
+              <a:tr h="202366">
                 <a:tc>
                   <a:txBody>
                     <a:bodyPr/>
@@ -4588,7 +4912,7 @@
                           <a:ea typeface="+mn-ea"/>
                           <a:cs typeface="+mn-cs"/>
                         </a:rPr>
-                        <a:t>8</a:t>
+                        <a:t>9</a:t>
                       </a:r>
                       <a:endParaRPr lang="zh-CN" altLang="en-US" sz="1050" kern="1200" dirty="0" smtClean="0">
                         <a:solidFill>
@@ -4600,7 +4924,7 @@
                       </a:endParaRPr>
                     </a:p>
                   </a:txBody>
-                  <a:tcPr/>
+                  <a:tcPr anchor="ctr"/>
                 </a:tc>
                 <a:tc>
                   <a:txBody>
@@ -4610,16 +4934,16 @@
                       <a:pPr algn="l"/>
                       <a:r>
                         <a:rPr lang="en-US" altLang="zh-CN" sz="1000" dirty="0" smtClean="0"/>
-                        <a:t>Steering wheel angle controlled</a:t>
+                        <a:t>Steering wheel controlled</a:t>
                       </a:r>
                       <a:r>
                         <a:rPr lang="en-US" altLang="zh-CN" sz="1000" baseline="0" dirty="0" smtClean="0"/>
-                        <a:t> deviation</a:t>
+                        <a:t> angle range</a:t>
                       </a:r>
                       <a:endParaRPr lang="zh-CN" altLang="en-US" sz="1000" dirty="0"/>
                     </a:p>
                   </a:txBody>
-                  <a:tcPr/>
+                  <a:tcPr anchor="ctr"/>
                 </a:tc>
                 <a:tc>
                   <a:txBody>
@@ -4644,17 +4968,38 @@
                         <a:defRPr/>
                       </a:pPr>
                       <a:r>
-                        <a:rPr lang="zh-CN" altLang="en-US" sz="1000" dirty="0" smtClean="0"/>
-                        <a:t>≤</a:t>
-                      </a:r>
-                      <a:r>
-                        <a:rPr lang="en-US" altLang="zh-CN" sz="1000" dirty="0" smtClean="0"/>
-                        <a:t>1deg</a:t>
-                      </a:r>
-                      <a:endParaRPr lang="zh-CN" altLang="en-US" sz="1000" dirty="0" smtClean="0"/>
+                        <a:rPr lang="en-US" altLang="zh-CN" sz="1000" kern="1200" baseline="0" dirty="0" smtClean="0">
+                          <a:solidFill>
+                            <a:schemeClr val="dk1"/>
+                          </a:solidFill>
+                          <a:latin typeface="+mn-lt"/>
+                          <a:ea typeface="+mn-ea"/>
+                          <a:cs typeface="+mn-cs"/>
+                        </a:rPr>
+                        <a:t>90% ~ 95% of </a:t>
+                      </a:r>
+                      <a:r>
+                        <a:rPr lang="en-US" altLang="zh-CN" sz="1000" kern="1200" dirty="0" smtClean="0">
+                          <a:solidFill>
+                            <a:schemeClr val="dk1"/>
+                          </a:solidFill>
+                          <a:latin typeface="+mn-lt"/>
+                          <a:ea typeface="+mn-ea"/>
+                          <a:cs typeface="+mn-cs"/>
+                        </a:rPr>
+                        <a:t>Max PSW</a:t>
+                      </a:r>
+                      <a:endParaRPr lang="zh-CN" altLang="en-US" sz="1000" kern="1200" baseline="0" dirty="0" smtClean="0">
+                        <a:solidFill>
+                          <a:schemeClr val="dk1"/>
+                        </a:solidFill>
+                        <a:latin typeface="+mn-lt"/>
+                        <a:ea typeface="+mn-ea"/>
+                        <a:cs typeface="+mn-cs"/>
+                      </a:endParaRPr>
                     </a:p>
                   </a:txBody>
-                  <a:tcPr/>
+                  <a:tcPr anchor="ctr"/>
                 </a:tc>
                 <a:tc>
                   <a:txBody>
@@ -4680,7 +5025,7 @@
                       </a:pPr>
                       <a:r>
                         <a:rPr lang="zh-CN" altLang="en-US" sz="1000" baseline="0" dirty="0" smtClean="0"/>
-                        <a:t>转向盘角度偏差，即稳定后，转向盘当前角度与最终目标角度差值的绝对值</a:t>
+                        <a:t>转向盘控制角度范围</a:t>
                       </a:r>
                       <a:endParaRPr lang="zh-CN" altLang="en-US" sz="1000" dirty="0" smtClean="0"/>
                     </a:p>
@@ -4688,160 +5033,7 @@
                   <a:tcPr anchor="ctr"/>
                 </a:tc>
               </a:tr>
-              <a:tr h="162550">
-                <a:tc>
-                  <a:txBody>
-                    <a:bodyPr/>
-                    <a:lstStyle/>
-                    <a:p>
-                      <a:pPr marL="0" marR="0" indent="0" algn="ctr" defTabSz="914400" rtl="0" eaLnBrk="1" fontAlgn="auto" latinLnBrk="0" hangingPunct="1">
-                        <a:lnSpc>
-                          <a:spcPct val="100000"/>
-                        </a:lnSpc>
-                        <a:spcBef>
-                          <a:spcPts val="0"/>
-                        </a:spcBef>
-                        <a:spcAft>
-                          <a:spcPts val="0"/>
-                        </a:spcAft>
-                        <a:buClrTx/>
-                        <a:buSzTx/>
-                        <a:buFontTx/>
-                        <a:buNone/>
-                        <a:tabLst/>
-                        <a:defRPr/>
-                      </a:pPr>
-                      <a:r>
-                        <a:rPr lang="en-US" altLang="zh-CN" sz="1050" kern="1200" dirty="0" smtClean="0">
-                          <a:solidFill>
-                            <a:schemeClr val="dk1"/>
-                          </a:solidFill>
-                          <a:latin typeface="+mn-lt"/>
-                          <a:ea typeface="+mn-ea"/>
-                          <a:cs typeface="+mn-cs"/>
-                        </a:rPr>
-                        <a:t>9</a:t>
-                      </a:r>
-                      <a:endParaRPr lang="zh-CN" altLang="en-US" sz="1050" kern="1200" dirty="0" smtClean="0">
-                        <a:solidFill>
-                          <a:schemeClr val="dk1"/>
-                        </a:solidFill>
-                        <a:latin typeface="+mn-lt"/>
-                        <a:ea typeface="+mn-ea"/>
-                        <a:cs typeface="+mn-cs"/>
-                      </a:endParaRPr>
-                    </a:p>
-                  </a:txBody>
-                  <a:tcPr/>
-                </a:tc>
-                <a:tc>
-                  <a:txBody>
-                    <a:bodyPr/>
-                    <a:lstStyle/>
-                    <a:p>
-                      <a:pPr algn="l"/>
-                      <a:r>
-                        <a:rPr lang="en-US" altLang="zh-CN" sz="1000" dirty="0" smtClean="0"/>
-                        <a:t>Steering wheel controlled</a:t>
-                      </a:r>
-                      <a:r>
-                        <a:rPr lang="en-US" altLang="zh-CN" sz="1000" baseline="0" dirty="0" smtClean="0"/>
-                        <a:t> angle range</a:t>
-                      </a:r>
-                      <a:endParaRPr lang="zh-CN" altLang="en-US" sz="1000" dirty="0"/>
-                    </a:p>
-                  </a:txBody>
-                  <a:tcPr/>
-                </a:tc>
-                <a:tc>
-                  <a:txBody>
-                    <a:bodyPr/>
-                    <a:lstStyle/>
-                    <a:p>
-                      <a:pPr marL="0" marR="0" indent="0" algn="ctr" defTabSz="914400" rtl="0" eaLnBrk="1" fontAlgn="auto" latinLnBrk="0" hangingPunct="1">
-                        <a:lnSpc>
-                          <a:spcPct val="100000"/>
-                        </a:lnSpc>
-                        <a:spcBef>
-                          <a:spcPts val="0"/>
-                        </a:spcBef>
-                        <a:spcAft>
-                          <a:spcPts val="0"/>
-                        </a:spcAft>
-                        <a:buClrTx/>
-                        <a:buSzTx/>
-                        <a:buFontTx/>
-                        <a:buNone/>
-                        <a:tabLst/>
-                        <a:defRPr/>
-                      </a:pPr>
-                      <a:r>
-                        <a:rPr lang="en-US" altLang="zh-CN" sz="1000" kern="1200" baseline="0" dirty="0" smtClean="0">
-                          <a:solidFill>
-                            <a:schemeClr val="dk1"/>
-                          </a:solidFill>
-                          <a:latin typeface="+mn-lt"/>
-                          <a:ea typeface="+mn-ea"/>
-                          <a:cs typeface="+mn-cs"/>
-                        </a:rPr>
-                        <a:t>90% ~ 95% of </a:t>
-                      </a:r>
-                      <a:r>
-                        <a:rPr lang="en-US" altLang="zh-CN" sz="1000" kern="1200" dirty="0" smtClean="0">
-                          <a:solidFill>
-                            <a:schemeClr val="dk1"/>
-                          </a:solidFill>
-                          <a:latin typeface="+mn-lt"/>
-                          <a:ea typeface="+mn-ea"/>
-                          <a:cs typeface="+mn-cs"/>
-                        </a:rPr>
-                        <a:t>Max PSW</a:t>
-                      </a:r>
-                      <a:endParaRPr lang="zh-CN" altLang="en-US" sz="1000" kern="1200" baseline="0" dirty="0" smtClean="0">
-                        <a:solidFill>
-                          <a:schemeClr val="dk1"/>
-                        </a:solidFill>
-                        <a:latin typeface="+mn-lt"/>
-                        <a:ea typeface="+mn-ea"/>
-                        <a:cs typeface="+mn-cs"/>
-                      </a:endParaRPr>
-                    </a:p>
-                  </a:txBody>
-                  <a:tcPr/>
-                </a:tc>
-                <a:tc>
-                  <a:txBody>
-                    <a:bodyPr/>
-                    <a:lstStyle/>
-                    <a:p>
-                      <a:pPr marL="0" marR="0" indent="0" algn="l" defTabSz="914400" rtl="0" eaLnBrk="1" fontAlgn="auto" latinLnBrk="0" hangingPunct="1">
-                        <a:lnSpc>
-                          <a:spcPct val="100000"/>
-                        </a:lnSpc>
-                        <a:spcBef>
-                          <a:spcPts val="0"/>
-                        </a:spcBef>
-                        <a:spcAft>
-                          <a:spcPts val="0"/>
-                        </a:spcAft>
-                        <a:buClrTx/>
-                        <a:buSzTx/>
-                        <a:buFontTx/>
-                        <a:buNone/>
-                        <a:tabLst/>
-                        <a:defRPr/>
-                      </a:pPr>
-                      <a:r>
-                        <a:rPr lang="zh-CN" altLang="en-US" sz="1000" baseline="0" dirty="0" smtClean="0"/>
-                        <a:t>转向盘控制角度范围</a:t>
-                      </a:r>
-                      <a:endParaRPr lang="zh-CN" altLang="en-US" sz="1000" dirty="0" smtClean="0"/>
-                    </a:p>
-                  </a:txBody>
-                  <a:tcPr anchor="ctr"/>
-                </a:tc>
-              </a:tr>
-              <a:tr h="162550">
+              <a:tr h="318879">
                 <a:tc>
                   <a:txBody>
                     <a:bodyPr/>
@@ -4874,7 +5066,7 @@
                       </a:endParaRPr>
                     </a:p>
                   </a:txBody>
-                  <a:tcPr/>
+                  <a:tcPr anchor="ctr"/>
                 </a:tc>
                 <a:tc>
                   <a:txBody>
@@ -4935,7 +5127,7 @@
                       </a:endParaRPr>
                     </a:p>
                   </a:txBody>
-                  <a:tcPr/>
+                  <a:tcPr anchor="ctr"/>
                 </a:tc>
                 <a:tc>
                   <a:txBody>
@@ -4969,7 +5161,7 @@
                       </a:endParaRPr>
                     </a:p>
                   </a:txBody>
-                  <a:tcPr/>
+                  <a:tcPr anchor="ctr"/>
                 </a:tc>
                 <a:tc>
                   <a:txBody>
@@ -5009,7 +5201,7 @@
                   <a:tcPr anchor="ctr"/>
                 </a:tc>
               </a:tr>
-              <a:tr h="162550">
+              <a:tr h="202366">
                 <a:tc>
                   <a:txBody>
                     <a:bodyPr/>
@@ -5042,7 +5234,7 @@
                       </a:endParaRPr>
                     </a:p>
                   </a:txBody>
-                  <a:tcPr/>
+                  <a:tcPr anchor="ctr"/>
                 </a:tc>
                 <a:tc>
                   <a:txBody>
@@ -5103,7 +5295,7 @@
                       </a:endParaRPr>
                     </a:p>
                   </a:txBody>
-                  <a:tcPr/>
+                  <a:tcPr anchor="ctr"/>
                 </a:tc>
                 <a:tc>
                   <a:txBody>
@@ -5152,7 +5344,7 @@
                       </a:endParaRPr>
                     </a:p>
                   </a:txBody>
-                  <a:tcPr/>
+                  <a:tcPr anchor="ctr"/>
                 </a:tc>
                 <a:tc>
                   <a:txBody>
@@ -5192,7 +5384,7 @@
                   <a:tcPr anchor="ctr"/>
                 </a:tc>
               </a:tr>
-              <a:tr h="162550">
+              <a:tr h="132452">
                 <a:tc>
                   <a:txBody>
                     <a:bodyPr/>
@@ -5236,7 +5428,7 @@
                       </a:endParaRPr>
                     </a:p>
                   </a:txBody>
-                  <a:tcPr/>
+                  <a:tcPr anchor="ctr"/>
                 </a:tc>
                 <a:tc>
                   <a:txBody>
@@ -5251,7 +5443,7 @@
                       <a:endParaRPr lang="zh-CN" altLang="en-US" sz="1000" dirty="0"/>
                     </a:p>
                   </a:txBody>
-                  <a:tcPr/>
+                  <a:tcPr anchor="ctr"/>
                 </a:tc>
                 <a:tc>
                   <a:txBody>
@@ -5373,7 +5565,7 @@
                       </a:endParaRPr>
                     </a:p>
                   </a:txBody>
-                  <a:tcPr/>
+                  <a:tcPr anchor="ctr"/>
                 </a:tc>
                 <a:tc>
                   <a:txBody>
@@ -5399,11 +5591,7 @@
                       </a:pPr>
                       <a:r>
                         <a:rPr lang="zh-CN" altLang="en-US" sz="1000" dirty="0" smtClean="0"/>
-                        <a:t>阶跃信号（可选项目</a:t>
-                      </a:r>
-                      <a:r>
-                        <a:rPr lang="zh-CN" altLang="en-US" sz="1000" dirty="0" smtClean="0"/>
-                        <a:t>），</a:t>
+                        <a:t>阶跃信号（可选项目），</a:t>
                       </a:r>
                       <a:r>
                         <a:rPr lang="en-US" altLang="zh-CN" sz="1000" dirty="0" smtClean="0"/>
@@ -5412,6 +5600,143 @@
                       <a:r>
                         <a:rPr lang="zh-CN" altLang="en-US" sz="1000" dirty="0" smtClean="0"/>
                         <a:t>永久失效的一种</a:t>
+                      </a:r>
+                    </a:p>
+                  </a:txBody>
+                  <a:tcPr anchor="ctr"/>
+                </a:tc>
+              </a:tr>
+              <a:tr h="0">
+                <a:tc>
+                  <a:txBody>
+                    <a:bodyPr/>
+                    <a:lstStyle/>
+                    <a:p>
+                      <a:pPr marL="0" marR="0" indent="0" algn="ctr" defTabSz="914400" rtl="0" eaLnBrk="1" fontAlgn="auto" latinLnBrk="0" hangingPunct="1">
+                        <a:lnSpc>
+                          <a:spcPct val="100000"/>
+                        </a:lnSpc>
+                        <a:spcBef>
+                          <a:spcPts val="0"/>
+                        </a:spcBef>
+                        <a:spcAft>
+                          <a:spcPts val="0"/>
+                        </a:spcAft>
+                        <a:buClrTx/>
+                        <a:buSzTx/>
+                        <a:buFontTx/>
+                        <a:buNone/>
+                        <a:tabLst/>
+                        <a:defRPr/>
+                      </a:pPr>
+                      <a:r>
+                        <a:rPr lang="en-US" altLang="zh-CN" sz="1050" kern="1200" dirty="0" smtClean="0">
+                          <a:solidFill>
+                            <a:schemeClr val="dk1"/>
+                          </a:solidFill>
+                          <a:latin typeface="+mn-lt"/>
+                          <a:ea typeface="+mn-ea"/>
+                          <a:cs typeface="+mn-cs"/>
+                        </a:rPr>
+                        <a:t>11</a:t>
+                      </a:r>
+                      <a:endParaRPr lang="zh-CN" altLang="en-US" sz="1050" kern="1200" dirty="0" smtClean="0">
+                        <a:solidFill>
+                          <a:schemeClr val="dk1"/>
+                        </a:solidFill>
+                        <a:latin typeface="+mn-lt"/>
+                        <a:ea typeface="+mn-ea"/>
+                        <a:cs typeface="+mn-cs"/>
+                      </a:endParaRPr>
+                    </a:p>
+                  </a:txBody>
+                  <a:tcPr anchor="ctr"/>
+                </a:tc>
+                <a:tc>
+                  <a:txBody>
+                    <a:bodyPr/>
+                    <a:lstStyle/>
+                    <a:p>
+                      <a:pPr algn="l"/>
+                      <a:r>
+                        <a:rPr lang="en-US" altLang="zh-CN" sz="1000" dirty="0" smtClean="0"/>
+                        <a:t>Manual takeover</a:t>
+                      </a:r>
+                      <a:endParaRPr lang="zh-CN" altLang="en-US" sz="1000" dirty="0"/>
+                    </a:p>
+                  </a:txBody>
+                  <a:tcPr anchor="ctr"/>
+                </a:tc>
+                <a:tc>
+                  <a:txBody>
+                    <a:bodyPr/>
+                    <a:lstStyle/>
+                    <a:p>
+                      <a:pPr marL="0" marR="0" indent="0" algn="ctr" defTabSz="914400" rtl="0" eaLnBrk="1" fontAlgn="auto" latinLnBrk="0" hangingPunct="1">
+                        <a:lnSpc>
+                          <a:spcPct val="100000"/>
+                        </a:lnSpc>
+                        <a:spcBef>
+                          <a:spcPts val="0"/>
+                        </a:spcBef>
+                        <a:spcAft>
+                          <a:spcPts val="0"/>
+                        </a:spcAft>
+                        <a:buClrTx/>
+                        <a:buSzTx/>
+                        <a:buFontTx/>
+                        <a:buNone/>
+                        <a:tabLst/>
+                        <a:defRPr/>
+                      </a:pPr>
+                      <a:r>
+                        <a:rPr lang="en-US" altLang="zh-CN" sz="1000" kern="1200" dirty="0" smtClean="0">
+                          <a:solidFill>
+                            <a:schemeClr val="dk1"/>
+                          </a:solidFill>
+                          <a:latin typeface="+mn-lt"/>
+                          <a:ea typeface="+mn-ea"/>
+                          <a:cs typeface="+mn-cs"/>
+                        </a:rPr>
+                        <a:t>3Nm@50ms</a:t>
+                      </a:r>
+                      <a:endParaRPr lang="zh-CN" altLang="en-US" sz="1000" kern="1200" dirty="0" smtClean="0">
+                        <a:solidFill>
+                          <a:schemeClr val="dk1"/>
+                        </a:solidFill>
+                        <a:latin typeface="+mn-lt"/>
+                        <a:ea typeface="+mn-ea"/>
+                        <a:cs typeface="+mn-cs"/>
+                      </a:endParaRPr>
+                    </a:p>
+                  </a:txBody>
+                  <a:tcPr anchor="ctr"/>
+                </a:tc>
+                <a:tc>
+                  <a:txBody>
+                    <a:bodyPr/>
+                    <a:lstStyle/>
+                    <a:p>
+                      <a:pPr marL="0" marR="0" indent="0" algn="l" defTabSz="914400" rtl="0" eaLnBrk="1" fontAlgn="auto" latinLnBrk="0" hangingPunct="1">
+                        <a:lnSpc>
+                          <a:spcPct val="100000"/>
+                        </a:lnSpc>
+                        <a:spcBef>
+                          <a:spcPts val="0"/>
+                        </a:spcBef>
+                        <a:spcAft>
+                          <a:spcPts val="0"/>
+                        </a:spcAft>
+                        <a:buClrTx/>
+                        <a:buSzTx/>
+                        <a:buFontTx/>
+                        <a:buNone/>
+                        <a:tabLst/>
+                        <a:defRPr/>
+                      </a:pPr>
+                      <a:r>
+                        <a:rPr lang="zh-CN" altLang="en-US" sz="1000" dirty="0" smtClean="0"/>
+                        <a:t>人工干涉</a:t>
                       </a:r>
                       <a:endParaRPr lang="zh-CN" altLang="en-US" sz="1000" dirty="0" smtClean="0"/>
                     </a:p>
@@ -5445,7 +5770,7 @@
           <a:graphicData uri="http://schemas.openxmlformats.org/presentationml/2006/ole">
             <mc:AlternateContent xmlns:mc="http://schemas.openxmlformats.org/markup-compatibility/2006">
               <mc:Choice xmlns:v="urn:schemas-microsoft-com:vml" Requires="v">
-                <p:oleObj spid="_x0000_s1031" name="Acrobat Document" showAsIcon="1" r:id="rId3" imgW="914400" imgH="828720" progId="AcroExch.Document.11">
+                <p:oleObj spid="_x0000_s1035" name="Acrobat Document" showAsIcon="1" r:id="rId3" imgW="914400" imgH="828720" progId="AcroExch.Document.11">
                   <p:embed/>
                 </p:oleObj>
               </mc:Choice>
